--- a/2025-Q3/Unity2/2025-07-13-Unity2.pptx
+++ b/2025-Q3/Unity2/2025-07-13-Unity2.pptx
@@ -289,7 +289,7 @@
               <a:pPr>
                 <a:defRPr/>
               </a:pPr>
-              <a:t>7/12/2025</a:t>
+              <a:t>7/13/2025</a:t>
             </a:fld>
             <a:endParaRPr lang="en-US"/>
           </a:p>
@@ -8629,7 +8629,7 @@
               <a:rPr lang="en-US" i="1" dirty="0">
                 <a:latin typeface="+mn-lt"/>
               </a:rPr>
-              <a:t> "And I will ask the Father, and he will give you another advocate to help you and be with you forever—the Spirit of truth. The world cannot accept him, because it neither sees him nor knows him. But you know him, for he lives with you and will be in you.“</a:t>
+              <a:t> "And I will ask the Father, and he will give you another advocate to help you and be with you forever—the Spirit of truth. The world cannot accept Him, because it neither sees Him nor knows Him. But you know Him, for He lives with you and will be in you.“</a:t>
             </a:r>
           </a:p>
           <a:p>
@@ -8672,7 +8672,7 @@
         </p:nvSpPr>
         <p:spPr>
           <a:xfrm>
-            <a:off x="228600" y="1143000"/>
+            <a:off x="266700" y="1143000"/>
             <a:ext cx="8610600" cy="5289657"/>
           </a:xfrm>
           <a:prstGeom prst="horizontalScroll">
@@ -8716,7 +8716,7 @@
           <a:p>
             <a:r>
               <a:rPr lang="en-US" sz="1600" b="1" i="1" dirty="0"/>
-              <a:t>“If anyone says ‘I love God’ and yet hates his fellow Christian, he is a liar because the one who does not love his fellow Christian whom he has seen cannot love God whom he has not seen. And the commandment we have from Him is this: that the one who loves God should love his fellow Christian too. Everyone who believes that Jesus is the Christ has been fathered by God, and everyone who loves the Father loves the child fathered by Him. By this we know that we love the children of God: whenever we love God and obey His commandments. For this is the love of God: that we keep His commandments. And His commandments to not weigh us down, because everyone who has been fathered by God </a:t>
+              <a:t>“If anyone says ‘I love God’ and yet hates his fellow Christian, he is a liar because the one who does not love his fellow Christian whom he has seen cannot love God whom he has not seen. And the commandment we have from Him is this: that the one who loves God should love his fellow Christian too. Everyone who believes that Jesus is the Christ has been fathered by God, and everyone who loves the Father loves the child fathered by Him. By this we know that we love the children of God: whenever we love God and obey His commandments. For this is the love of God: that we keep His commandments. And His commandments do not weigh us down, because everyone who has been fathered by God </a:t>
             </a:r>
             <a:r>
               <a:rPr lang="en-US" sz="1600" b="1" i="1" u="sng" dirty="0"/>
